--- a/165513_박성완_개인프로젝트 중간발표.pptx
+++ b/165513_박성완_개인프로젝트 중간발표.pptx
@@ -295,7 +295,7 @@
           <a:p>
             <a:fld id="{22DC2647-C259-4EB5-84B8-93A3F8E54DE7}" type="datetimeFigureOut">
               <a:rPr lang="ko-KR" altLang="en-US" smtClean="0"/>
-              <a:t>2021-05-18</a:t>
+              <a:t>2021-05-20</a:t>
             </a:fld>
             <a:endParaRPr lang="ko-KR" altLang="en-US"/>
           </a:p>
@@ -394,7 +394,7 @@
           <a:p>
             <a:fld id="{B440BA11-FEDB-4E64-B4BE-9FDEE8123FE3}" type="datetimeFigureOut">
               <a:rPr lang="ko-KR" altLang="en-US" smtClean="0"/>
-              <a:t>2021-05-18</a:t>
+              <a:t>2021-05-20</a:t>
             </a:fld>
             <a:endParaRPr lang="ko-KR" altLang="en-US"/>
           </a:p>
@@ -792,7 +792,7 @@
           <a:p>
             <a:fld id="{8771C398-EBCC-4210-8AFD-1D056CED0821}" type="datetimeFigureOut">
               <a:rPr lang="ko-KR" altLang="en-US" smtClean="0"/>
-              <a:t>2021-05-18</a:t>
+              <a:t>2021-05-20</a:t>
             </a:fld>
             <a:endParaRPr lang="ko-KR" altLang="en-US"/>
           </a:p>
@@ -962,7 +962,7 @@
           <a:p>
             <a:fld id="{8771C398-EBCC-4210-8AFD-1D056CED0821}" type="datetimeFigureOut">
               <a:rPr lang="ko-KR" altLang="en-US" smtClean="0"/>
-              <a:t>2021-05-18</a:t>
+              <a:t>2021-05-20</a:t>
             </a:fld>
             <a:endParaRPr lang="ko-KR" altLang="en-US"/>
           </a:p>
@@ -1142,7 +1142,7 @@
           <a:p>
             <a:fld id="{8771C398-EBCC-4210-8AFD-1D056CED0821}" type="datetimeFigureOut">
               <a:rPr lang="ko-KR" altLang="en-US" smtClean="0"/>
-              <a:t>2021-05-18</a:t>
+              <a:t>2021-05-20</a:t>
             </a:fld>
             <a:endParaRPr lang="ko-KR" altLang="en-US"/>
           </a:p>
@@ -1312,7 +1312,7 @@
           <a:p>
             <a:fld id="{8771C398-EBCC-4210-8AFD-1D056CED0821}" type="datetimeFigureOut">
               <a:rPr lang="ko-KR" altLang="en-US" smtClean="0"/>
-              <a:t>2021-05-18</a:t>
+              <a:t>2021-05-20</a:t>
             </a:fld>
             <a:endParaRPr lang="ko-KR" altLang="en-US"/>
           </a:p>
@@ -1558,7 +1558,7 @@
           <a:p>
             <a:fld id="{8771C398-EBCC-4210-8AFD-1D056CED0821}" type="datetimeFigureOut">
               <a:rPr lang="ko-KR" altLang="en-US" smtClean="0"/>
-              <a:t>2021-05-18</a:t>
+              <a:t>2021-05-20</a:t>
             </a:fld>
             <a:endParaRPr lang="ko-KR" altLang="en-US"/>
           </a:p>
@@ -1790,7 +1790,7 @@
           <a:p>
             <a:fld id="{8771C398-EBCC-4210-8AFD-1D056CED0821}" type="datetimeFigureOut">
               <a:rPr lang="ko-KR" altLang="en-US" smtClean="0"/>
-              <a:t>2021-05-18</a:t>
+              <a:t>2021-05-20</a:t>
             </a:fld>
             <a:endParaRPr lang="ko-KR" altLang="en-US"/>
           </a:p>
@@ -2157,7 +2157,7 @@
           <a:p>
             <a:fld id="{8771C398-EBCC-4210-8AFD-1D056CED0821}" type="datetimeFigureOut">
               <a:rPr lang="ko-KR" altLang="en-US" smtClean="0"/>
-              <a:t>2021-05-18</a:t>
+              <a:t>2021-05-20</a:t>
             </a:fld>
             <a:endParaRPr lang="ko-KR" altLang="en-US"/>
           </a:p>
@@ -2275,7 +2275,7 @@
           <a:p>
             <a:fld id="{8771C398-EBCC-4210-8AFD-1D056CED0821}" type="datetimeFigureOut">
               <a:rPr lang="ko-KR" altLang="en-US" smtClean="0"/>
-              <a:t>2021-05-18</a:t>
+              <a:t>2021-05-20</a:t>
             </a:fld>
             <a:endParaRPr lang="ko-KR" altLang="en-US"/>
           </a:p>
@@ -2370,7 +2370,7 @@
           <a:p>
             <a:fld id="{8771C398-EBCC-4210-8AFD-1D056CED0821}" type="datetimeFigureOut">
               <a:rPr lang="ko-KR" altLang="en-US" smtClean="0"/>
-              <a:t>2021-05-18</a:t>
+              <a:t>2021-05-20</a:t>
             </a:fld>
             <a:endParaRPr lang="ko-KR" altLang="en-US"/>
           </a:p>
@@ -2647,7 +2647,7 @@
           <a:p>
             <a:fld id="{8771C398-EBCC-4210-8AFD-1D056CED0821}" type="datetimeFigureOut">
               <a:rPr lang="ko-KR" altLang="en-US" smtClean="0"/>
-              <a:t>2021-05-18</a:t>
+              <a:t>2021-05-20</a:t>
             </a:fld>
             <a:endParaRPr lang="ko-KR" altLang="en-US"/>
           </a:p>
@@ -2904,7 +2904,7 @@
           <a:p>
             <a:fld id="{8771C398-EBCC-4210-8AFD-1D056CED0821}" type="datetimeFigureOut">
               <a:rPr lang="ko-KR" altLang="en-US" smtClean="0"/>
-              <a:t>2021-05-18</a:t>
+              <a:t>2021-05-20</a:t>
             </a:fld>
             <a:endParaRPr lang="ko-KR" altLang="en-US"/>
           </a:p>
@@ -3120,7 +3120,7 @@
           <a:p>
             <a:fld id="{8771C398-EBCC-4210-8AFD-1D056CED0821}" type="datetimeFigureOut">
               <a:rPr lang="ko-KR" altLang="en-US" smtClean="0"/>
-              <a:t>2021-05-18</a:t>
+              <a:t>2021-05-20</a:t>
             </a:fld>
             <a:endParaRPr lang="ko-KR" altLang="en-US"/>
           </a:p>
@@ -5114,36 +5114,6 @@
           </a:prstGeom>
         </p:spPr>
       </p:pic>
-      <p:pic>
-        <p:nvPicPr>
-          <p:cNvPr id="10" name="그림 9">
-            <a:extLst>
-              <a:ext uri="{FF2B5EF4-FFF2-40B4-BE49-F238E27FC236}">
-                <a16:creationId xmlns:a16="http://schemas.microsoft.com/office/drawing/2014/main" id="{18517DC3-B8BC-4FFC-A253-3A6ABC4E75BE}"/>
-              </a:ext>
-            </a:extLst>
-          </p:cNvPr>
-          <p:cNvPicPr>
-            <a:picLocks noChangeAspect="1"/>
-          </p:cNvPicPr>
-          <p:nvPr/>
-        </p:nvPicPr>
-        <p:blipFill>
-          <a:blip r:embed="rId4"/>
-          <a:stretch>
-            <a:fillRect/>
-          </a:stretch>
-        </p:blipFill>
-        <p:spPr>
-          <a:xfrm>
-            <a:off x="3766812" y="1085523"/>
-            <a:ext cx="4658375" cy="4686954"/>
-          </a:xfrm>
-          <a:prstGeom prst="rect">
-            <a:avLst/>
-          </a:prstGeom>
-        </p:spPr>
-      </p:pic>
     </p:spTree>
     <p:extLst>
       <p:ext uri="{BB962C8B-B14F-4D97-AF65-F5344CB8AC3E}">
@@ -6344,8 +6314,8 @@
         </p:nvSpPr>
         <p:spPr>
           <a:xfrm>
-            <a:off x="1089508" y="1573468"/>
-            <a:ext cx="9336538" cy="1815882"/>
+            <a:off x="1089508" y="1269008"/>
+            <a:ext cx="9336538" cy="1323439"/>
           </a:xfrm>
           <a:prstGeom prst="rect">
             <a:avLst/>
@@ -6359,64 +6329,64 @@
           <a:lstStyle/>
           <a:p>
             <a:r>
-              <a:rPr lang="ko-KR" altLang="en-US" sz="2800" b="1" dirty="0"/>
+              <a:rPr lang="ko-KR" altLang="en-US" sz="2000" b="1" dirty="0"/>
               <a:t>이번 중간 발표까지</a:t>
             </a:r>
-            <a:endParaRPr lang="en-US" altLang="ko-KR" sz="2800" b="1" dirty="0"/>
+            <a:endParaRPr lang="en-US" altLang="ko-KR" sz="2000" b="1" dirty="0"/>
           </a:p>
           <a:p>
             <a:pPr marL="342900" indent="-342900">
               <a:buAutoNum type="arabicPeriod"/>
             </a:pPr>
             <a:r>
-              <a:rPr lang="ko-KR" altLang="en-US" sz="2800" dirty="0"/>
+              <a:rPr lang="ko-KR" altLang="en-US" sz="2000" dirty="0"/>
               <a:t>새로운 데이터셋 선택과 목표 설정</a:t>
             </a:r>
-            <a:endParaRPr lang="en-US" altLang="ko-KR" sz="2800" dirty="0"/>
+            <a:endParaRPr lang="en-US" altLang="ko-KR" sz="2000" dirty="0"/>
           </a:p>
           <a:p>
             <a:pPr marL="342900" indent="-342900">
               <a:buAutoNum type="arabicPeriod"/>
             </a:pPr>
             <a:r>
-              <a:rPr lang="ko-KR" altLang="en-US" sz="2800" dirty="0"/>
+              <a:rPr lang="ko-KR" altLang="en-US" sz="2000" dirty="0"/>
               <a:t>데이터셋을 분석하고</a:t>
             </a:r>
             <a:r>
-              <a:rPr lang="en-US" altLang="ko-KR" sz="2800" dirty="0"/>
+              <a:rPr lang="en-US" altLang="ko-KR" sz="2000" dirty="0"/>
               <a:t>,</a:t>
             </a:r>
             <a:r>
-              <a:rPr lang="ko-KR" altLang="en-US" sz="2800" dirty="0"/>
+              <a:rPr lang="ko-KR" altLang="en-US" sz="2000" dirty="0"/>
               <a:t> 실습하기 위해 </a:t>
             </a:r>
             <a:r>
-              <a:rPr lang="ko-KR" altLang="en-US" sz="2800" dirty="0" err="1"/>
+              <a:rPr lang="ko-KR" altLang="en-US" sz="2000" dirty="0" err="1"/>
               <a:t>전처리</a:t>
             </a:r>
             <a:r>
-              <a:rPr lang="ko-KR" altLang="en-US" sz="2800" dirty="0"/>
+              <a:rPr lang="ko-KR" altLang="en-US" sz="2000" dirty="0"/>
               <a:t> 작업 진행</a:t>
             </a:r>
-            <a:endParaRPr lang="en-US" altLang="ko-KR" sz="2800" dirty="0"/>
+            <a:endParaRPr lang="en-US" altLang="ko-KR" sz="2000" dirty="0"/>
           </a:p>
           <a:p>
             <a:pPr marL="342900" indent="-342900">
               <a:buAutoNum type="arabicPeriod"/>
             </a:pPr>
             <a:r>
-              <a:rPr lang="ko-KR" altLang="en-US" sz="2800" dirty="0"/>
+              <a:rPr lang="ko-KR" altLang="en-US" sz="2000" dirty="0"/>
               <a:t>분류 모델을 통한 </a:t>
             </a:r>
             <a:r>
-              <a:rPr lang="en-US" altLang="ko-KR" sz="2800" dirty="0"/>
+              <a:rPr lang="en-US" altLang="ko-KR" sz="2000" dirty="0"/>
               <a:t>1</a:t>
             </a:r>
             <a:r>
-              <a:rPr lang="ko-KR" altLang="en-US" sz="2800" dirty="0"/>
+              <a:rPr lang="ko-KR" altLang="en-US" sz="2000" dirty="0"/>
               <a:t>차 실습</a:t>
             </a:r>
-            <a:endParaRPr lang="en-US" altLang="ko-KR" sz="2800" dirty="0"/>
+            <a:endParaRPr lang="en-US" altLang="ko-KR" sz="2000" dirty="0"/>
           </a:p>
         </p:txBody>
       </p:sp>
@@ -6434,8 +6404,8 @@
         </p:nvSpPr>
         <p:spPr>
           <a:xfrm>
-            <a:off x="1089508" y="4080773"/>
-            <a:ext cx="9336538" cy="1815882"/>
+            <a:off x="1089507" y="4490677"/>
+            <a:ext cx="9851761" cy="1631216"/>
           </a:xfrm>
           <a:prstGeom prst="rect">
             <a:avLst/>
@@ -6449,59 +6419,179 @@
           <a:lstStyle/>
           <a:p>
             <a:r>
-              <a:rPr lang="ko-KR" altLang="en-US" sz="2800" b="1" dirty="0"/>
+              <a:rPr lang="ko-KR" altLang="en-US" sz="2000" b="1" dirty="0"/>
               <a:t>최종 발표까지</a:t>
             </a:r>
-            <a:endParaRPr lang="en-US" altLang="ko-KR" sz="2800" b="1" dirty="0"/>
+            <a:endParaRPr lang="en-US" altLang="ko-KR" sz="2000" b="1" dirty="0"/>
           </a:p>
           <a:p>
             <a:pPr marL="342900" indent="-342900">
               <a:buAutoNum type="arabicPeriod"/>
             </a:pPr>
             <a:r>
-              <a:rPr lang="ko-KR" altLang="en-US" sz="2800" dirty="0"/>
+              <a:rPr lang="ko-KR" altLang="en-US" sz="2000" dirty="0"/>
               <a:t>회귀 모델을 통한 실습</a:t>
             </a:r>
-            <a:endParaRPr lang="en-US" altLang="ko-KR" sz="2800" dirty="0"/>
+            <a:endParaRPr lang="en-US" altLang="ko-KR" sz="2000" dirty="0"/>
           </a:p>
           <a:p>
             <a:pPr marL="342900" indent="-342900">
               <a:buAutoNum type="arabicPeriod"/>
             </a:pPr>
             <a:r>
-              <a:rPr lang="ko-KR" altLang="en-US" sz="2800" dirty="0" err="1"/>
+              <a:rPr lang="ko-KR" altLang="en-US" sz="2000" dirty="0" err="1"/>
               <a:t>모델별</a:t>
             </a:r>
             <a:r>
-              <a:rPr lang="ko-KR" altLang="en-US" sz="2800" dirty="0"/>
+              <a:rPr lang="ko-KR" altLang="en-US" sz="2000" dirty="0"/>
               <a:t> 성능을 비교하고</a:t>
             </a:r>
             <a:r>
-              <a:rPr lang="en-US" altLang="ko-KR" sz="2800" dirty="0"/>
+              <a:rPr lang="en-US" altLang="ko-KR" sz="2000" dirty="0"/>
               <a:t>, </a:t>
             </a:r>
             <a:r>
-              <a:rPr lang="ko-KR" altLang="en-US" sz="2800" dirty="0"/>
+              <a:rPr lang="ko-KR" altLang="en-US" sz="2000" dirty="0"/>
               <a:t>가장 높은 성능을 낸 모델 선정</a:t>
             </a:r>
+            <a:endParaRPr lang="en-US" altLang="ko-KR" sz="2000" dirty="0"/>
           </a:p>
           <a:p>
             <a:pPr marL="342900" indent="-342900">
               <a:buAutoNum type="arabicPeriod"/>
             </a:pPr>
             <a:r>
-              <a:rPr lang="ko-KR" altLang="en-US" sz="2800" dirty="0"/>
+              <a:rPr lang="ko-KR" altLang="en-US" sz="2000" dirty="0"/>
+              <a:t>특정 속성을 제외하고 분석 시도 </a:t>
+            </a:r>
+            <a:r>
+              <a:rPr lang="en-US" altLang="ko-KR" sz="2000" dirty="0"/>
+              <a:t>(ex: </a:t>
+            </a:r>
+            <a:r>
+              <a:rPr lang="ko-KR" altLang="en-US" sz="2000" dirty="0"/>
+              <a:t>전문가</a:t>
+            </a:r>
+            <a:r>
+              <a:rPr lang="en-US" altLang="ko-KR" sz="2000" dirty="0"/>
+              <a:t> </a:t>
+            </a:r>
+            <a:r>
+              <a:rPr lang="ko-KR" altLang="en-US" sz="2000" dirty="0"/>
+              <a:t>평점</a:t>
+            </a:r>
+            <a:r>
+              <a:rPr lang="en-US" altLang="ko-KR" sz="2000" dirty="0"/>
+              <a:t>), </a:t>
+            </a:r>
+            <a:r>
+              <a:rPr lang="ko-KR" altLang="en-US" sz="2000" dirty="0"/>
+              <a:t>이를 통한 영향력이 가장 큰 속성 계산</a:t>
+            </a:r>
+          </a:p>
+          <a:p>
+            <a:pPr marL="342900" indent="-342900">
+              <a:buAutoNum type="arabicPeriod"/>
+            </a:pPr>
+            <a:r>
+              <a:rPr lang="ko-KR" altLang="en-US" sz="2000" dirty="0"/>
               <a:t>군집 분류</a:t>
             </a:r>
             <a:r>
-              <a:rPr lang="en-US" altLang="ko-KR" sz="2800" dirty="0"/>
+              <a:rPr lang="en-US" altLang="ko-KR" sz="2000" dirty="0"/>
               <a:t>, </a:t>
             </a:r>
             <a:r>
-              <a:rPr lang="ko-KR" altLang="en-US" sz="2800" dirty="0"/>
+              <a:rPr lang="ko-KR" altLang="en-US" sz="2000" dirty="0"/>
               <a:t>모델 평가 등 다른 평가 방식 고려</a:t>
             </a:r>
-            <a:endParaRPr lang="en-US" altLang="ko-KR" sz="2800" dirty="0"/>
+            <a:endParaRPr lang="en-US" altLang="ko-KR" sz="2000" dirty="0"/>
+          </a:p>
+        </p:txBody>
+      </p:sp>
+      <p:sp>
+        <p:nvSpPr>
+          <p:cNvPr id="11" name="TextBox 10">
+            <a:extLst>
+              <a:ext uri="{FF2B5EF4-FFF2-40B4-BE49-F238E27FC236}">
+                <a16:creationId xmlns:a16="http://schemas.microsoft.com/office/drawing/2014/main" id="{F8CBEDCA-A4BB-4F08-BE1E-04E5B75F9D4B}"/>
+              </a:ext>
+            </a:extLst>
+          </p:cNvPr>
+          <p:cNvSpPr txBox="1"/>
+          <p:nvPr/>
+        </p:nvSpPr>
+        <p:spPr>
+          <a:xfrm>
+            <a:off x="1089508" y="2849207"/>
+            <a:ext cx="9336538" cy="1323439"/>
+          </a:xfrm>
+          <a:prstGeom prst="rect">
+            <a:avLst/>
+          </a:prstGeom>
+          <a:noFill/>
+        </p:spPr>
+        <p:txBody>
+          <a:bodyPr wrap="square" rtlCol="0">
+            <a:spAutoFit/>
+          </a:bodyPr>
+          <a:lstStyle/>
+          <a:p>
+            <a:r>
+              <a:rPr lang="ko-KR" altLang="en-US" sz="2000" b="1" dirty="0"/>
+              <a:t>추가 분석해보아야 할 것</a:t>
+            </a:r>
+            <a:endParaRPr lang="en-US" altLang="ko-KR" sz="2000" b="1" dirty="0"/>
+          </a:p>
+          <a:p>
+            <a:pPr marL="342900" indent="-342900">
+              <a:buAutoNum type="arabicPeriod"/>
+            </a:pPr>
+            <a:r>
+              <a:rPr lang="ko-KR" altLang="en-US" sz="2000" dirty="0"/>
+              <a:t>각 모델 별 혼동행렬을 통한 분석도 추가할 것</a:t>
+            </a:r>
+            <a:endParaRPr lang="en-US" altLang="ko-KR" sz="2000" dirty="0"/>
+          </a:p>
+          <a:p>
+            <a:pPr marL="342900" indent="-342900">
+              <a:buAutoNum type="arabicPeriod"/>
+            </a:pPr>
+            <a:r>
+              <a:rPr lang="ko-KR" altLang="en-US" sz="2000" dirty="0"/>
+              <a:t>훈련</a:t>
+            </a:r>
+            <a:r>
+              <a:rPr lang="en-US" altLang="ko-KR" sz="2000" dirty="0"/>
+              <a:t>/</a:t>
+            </a:r>
+            <a:r>
+              <a:rPr lang="ko-KR" altLang="en-US" sz="2000" dirty="0"/>
+              <a:t>테스트 비율 변경</a:t>
+            </a:r>
+            <a:r>
+              <a:rPr lang="en-US" altLang="ko-KR" sz="2000" dirty="0"/>
+              <a:t>, </a:t>
+            </a:r>
+            <a:r>
+              <a:rPr lang="ko-KR" altLang="en-US" sz="2000" dirty="0"/>
+              <a:t>매개변수 변경 등 추가로 분석 시도</a:t>
+            </a:r>
+            <a:endParaRPr lang="en-US" altLang="ko-KR" sz="2000" dirty="0"/>
+          </a:p>
+          <a:p>
+            <a:pPr marL="342900" indent="-342900">
+              <a:buAutoNum type="arabicPeriod"/>
+            </a:pPr>
+            <a:r>
+              <a:rPr lang="ko-KR" altLang="en-US" sz="2000" dirty="0" err="1"/>
+              <a:t>피어슨</a:t>
+            </a:r>
+            <a:r>
+              <a:rPr lang="ko-KR" altLang="en-US" sz="2000" dirty="0"/>
+              <a:t> 상관계수 분석 시도</a:t>
+            </a:r>
+            <a:endParaRPr lang="en-US" altLang="ko-KR" sz="2000" dirty="0"/>
           </a:p>
         </p:txBody>
       </p:sp>
@@ -6584,8 +6674,8 @@
         </p:nvSpPr>
         <p:spPr>
           <a:xfrm>
-            <a:off x="4208304" y="2967335"/>
-            <a:ext cx="3775394" cy="923330"/>
+            <a:off x="4750118" y="2705725"/>
+            <a:ext cx="2691764" cy="1446550"/>
           </a:xfrm>
           <a:prstGeom prst="rect">
             <a:avLst/>
@@ -6600,7 +6690,7 @@
           <a:p>
             <a:pPr algn="ctr"/>
             <a:r>
-              <a:rPr lang="ko-KR" altLang="en-US" sz="5400" b="1" cap="none" spc="0" dirty="0">
+              <a:rPr lang="en-US" altLang="ko-KR" sz="8800" b="1" cap="none" spc="0" dirty="0">
                 <a:ln w="12700">
                   <a:solidFill>
                     <a:schemeClr val="tx2">
@@ -6628,38 +6718,7 @@
                   </a:outerShdw>
                 </a:effectLst>
               </a:rPr>
-              <a:t>감사합니다</a:t>
-            </a:r>
-            <a:r>
-              <a:rPr lang="en-US" altLang="ko-KR" sz="5400" b="1" cap="none" spc="0" dirty="0">
-                <a:ln w="12700">
-                  <a:solidFill>
-                    <a:schemeClr val="tx2">
-                      <a:lumMod val="75000"/>
-                    </a:schemeClr>
-                  </a:solidFill>
-                  <a:prstDash val="solid"/>
-                </a:ln>
-                <a:pattFill prst="dkUpDiag">
-                  <a:fgClr>
-                    <a:schemeClr val="tx2"/>
-                  </a:fgClr>
-                  <a:bgClr>
-                    <a:schemeClr val="tx2">
-                      <a:lumMod val="20000"/>
-                      <a:lumOff val="80000"/>
-                    </a:schemeClr>
-                  </a:bgClr>
-                </a:pattFill>
-                <a:effectLst>
-                  <a:outerShdw dist="38100" dir="2640000" algn="bl" rotWithShape="0">
-                    <a:schemeClr val="tx2">
-                      <a:lumMod val="75000"/>
-                    </a:schemeClr>
-                  </a:outerShdw>
-                </a:effectLst>
-              </a:rPr>
-              <a:t>.</a:t>
+              <a:t>Q&amp;A</a:t>
             </a:r>
           </a:p>
         </p:txBody>
@@ -9420,8 +9479,8 @@
         </p:nvSpPr>
         <p:spPr>
           <a:xfrm>
-            <a:off x="985814" y="2521059"/>
-            <a:ext cx="9818714" cy="1815882"/>
+            <a:off x="985814" y="2330510"/>
+            <a:ext cx="9674720" cy="2554545"/>
           </a:xfrm>
           <a:prstGeom prst="rect">
             <a:avLst/>
@@ -9429,7 +9488,7 @@
           <a:noFill/>
         </p:spPr>
         <p:txBody>
-          <a:bodyPr wrap="none" rtlCol="0">
+          <a:bodyPr wrap="square" rtlCol="0">
             <a:spAutoFit/>
           </a:bodyPr>
           <a:lstStyle/>
@@ -9439,29 +9498,13 @@
               <a:buChar char="•"/>
             </a:pPr>
             <a:r>
-              <a:rPr lang="ko-KR" altLang="en-US" sz="2800" dirty="0"/>
+              <a:rPr lang="ko-KR" altLang="en-US" sz="3200" dirty="0"/>
               <a:t>최종 목표 </a:t>
             </a:r>
             <a:r>
-              <a:rPr lang="en-US" altLang="ko-KR" sz="2800" dirty="0"/>
+              <a:rPr lang="en-US" altLang="ko-KR" sz="3200" dirty="0"/>
               <a:t>: </a:t>
             </a:r>
-            <a:r>
-              <a:rPr lang="ko-KR" altLang="en-US" sz="2800" dirty="0"/>
-              <a:t>주어진 속성값들을 통해 영화의 평점 예측</a:t>
-            </a:r>
-            <a:endParaRPr lang="en-US" altLang="ko-KR" sz="2800" dirty="0"/>
-          </a:p>
-          <a:p>
-            <a:pPr marL="285750" indent="-285750">
-              <a:buFont typeface="Arial" panose="020B0604020202020204" pitchFamily="34" charset="0"/>
-              <a:buChar char="•"/>
-            </a:pPr>
-            <a:r>
-              <a:rPr lang="ko-KR" altLang="en-US" sz="2800" dirty="0"/>
-              <a:t>부가목표</a:t>
-            </a:r>
-            <a:endParaRPr lang="en-US" altLang="ko-KR" sz="2800" dirty="0"/>
           </a:p>
           <a:p>
             <a:pPr marL="742950" lvl="1" indent="-285750">
@@ -9469,34 +9512,22 @@
               <a:buChar char="•"/>
             </a:pPr>
             <a:r>
-              <a:rPr lang="ko-KR" altLang="en-US" sz="2800" b="1" dirty="0"/>
-              <a:t>평점</a:t>
-            </a:r>
-            <a:r>
-              <a:rPr lang="en-US" altLang="ko-KR" sz="2800" b="1" dirty="0"/>
-              <a:t>(</a:t>
-            </a:r>
-            <a:r>
-              <a:rPr lang="ko-KR" altLang="en-US" sz="2800" b="1" dirty="0"/>
-              <a:t>정수</a:t>
-            </a:r>
-            <a:r>
-              <a:rPr lang="en-US" altLang="ko-KR" sz="2800" b="1" dirty="0"/>
-              <a:t>) </a:t>
-            </a:r>
-            <a:r>
-              <a:rPr lang="ko-KR" altLang="en-US" sz="2800" dirty="0"/>
-              <a:t>속성값을 기준으로 분류기</a:t>
-            </a:r>
-            <a:r>
-              <a:rPr lang="en-US" altLang="ko-KR" sz="2800" dirty="0"/>
-              <a:t>, </a:t>
-            </a:r>
-            <a:r>
-              <a:rPr lang="ko-KR" altLang="en-US" sz="2800" dirty="0"/>
-              <a:t>회귀 모델로 각각 예측</a:t>
-            </a:r>
-            <a:endParaRPr lang="en-US" altLang="ko-KR" sz="2800" dirty="0"/>
+              <a:rPr lang="en-US" altLang="ko-KR" sz="3200" dirty="0"/>
+              <a:t>1</a:t>
+            </a:r>
+            <a:r>
+              <a:rPr lang="ko-KR" altLang="en-US" sz="3200" dirty="0"/>
+              <a:t>차 </a:t>
+            </a:r>
+            <a:r>
+              <a:rPr lang="en-US" altLang="ko-KR" sz="3200" dirty="0"/>
+              <a:t>: </a:t>
+            </a:r>
+            <a:r>
+              <a:rPr lang="ko-KR" altLang="en-US" sz="3200" dirty="0"/>
+              <a:t>주어진 속성값들을 통해 영화의 평점 예측</a:t>
+            </a:r>
+            <a:endParaRPr lang="en-US" altLang="ko-KR" sz="3200" dirty="0"/>
           </a:p>
           <a:p>
             <a:pPr marL="742950" lvl="1" indent="-285750">
@@ -9504,21 +9535,53 @@
               <a:buChar char="•"/>
             </a:pPr>
             <a:r>
-              <a:rPr lang="ko-KR" altLang="en-US" sz="2800" dirty="0" err="1"/>
-              <a:t>모델별</a:t>
-            </a:r>
-            <a:r>
-              <a:rPr lang="ko-KR" altLang="en-US" sz="2800" dirty="0"/>
-              <a:t> 성능을 비교하고</a:t>
-            </a:r>
-            <a:r>
-              <a:rPr lang="en-US" altLang="ko-KR" sz="2800" dirty="0"/>
-              <a:t>, </a:t>
-            </a:r>
-            <a:r>
-              <a:rPr lang="ko-KR" altLang="en-US" sz="2800" dirty="0"/>
-              <a:t>가장 높은 성능을 낸 모델 선정</a:t>
-            </a:r>
+              <a:rPr lang="en-US" altLang="ko-KR" sz="3200" dirty="0"/>
+              <a:t>2</a:t>
+            </a:r>
+            <a:r>
+              <a:rPr lang="ko-KR" altLang="en-US" sz="3200" dirty="0"/>
+              <a:t>차 </a:t>
+            </a:r>
+            <a:r>
+              <a:rPr lang="en-US" altLang="ko-KR" sz="3200" dirty="0"/>
+              <a:t>: </a:t>
+            </a:r>
+            <a:r>
+              <a:rPr lang="ko-KR" altLang="en-US" sz="3200" dirty="0"/>
+              <a:t>가장 점수가 높은 분류</a:t>
+            </a:r>
+            <a:r>
+              <a:rPr lang="en-US" altLang="ko-KR" sz="3200" dirty="0"/>
+              <a:t>/</a:t>
+            </a:r>
+            <a:r>
+              <a:rPr lang="ko-KR" altLang="en-US" sz="3200" dirty="0"/>
+              <a:t>회귀 모델 선택</a:t>
+            </a:r>
+            <a:endParaRPr lang="en-US" altLang="ko-KR" sz="3200" dirty="0"/>
+          </a:p>
+          <a:p>
+            <a:pPr marL="742950" lvl="1" indent="-285750">
+              <a:buFont typeface="Arial" panose="020B0604020202020204" pitchFamily="34" charset="0"/>
+              <a:buChar char="•"/>
+            </a:pPr>
+            <a:r>
+              <a:rPr lang="en-US" altLang="ko-KR" sz="3200" dirty="0"/>
+              <a:t>3</a:t>
+            </a:r>
+            <a:r>
+              <a:rPr lang="ko-KR" altLang="en-US" sz="3200" dirty="0"/>
+              <a:t>차 </a:t>
+            </a:r>
+            <a:r>
+              <a:rPr lang="en-US" altLang="ko-KR" sz="3200" dirty="0"/>
+              <a:t>: </a:t>
+            </a:r>
+            <a:r>
+              <a:rPr lang="ko-KR" altLang="en-US" sz="3200" dirty="0"/>
+              <a:t>특정 속성을 제외한 분석을 통해 평점에 영향력이 높은 속성 순위 분석</a:t>
+            </a:r>
+            <a:endParaRPr lang="en-US" altLang="ko-KR" sz="3200" dirty="0"/>
           </a:p>
         </p:txBody>
       </p:sp>
